--- a/GitHub.pptx
+++ b/GitHub.pptx
@@ -6839,11 +6839,7 @@
           <a:p>
             <a:r>
               <a:rPr lang="fr-CH" dirty="0" smtClean="0"/>
-              <a:t>Git, </a:t>
-            </a:r>
-            <a:r>
-              <a:rPr lang="fr-CH" dirty="0" smtClean="0"/>
-              <a:t>qu’est-ce que c’est?</a:t>
+              <a:t>Git, qu’est-ce que c’est?</a:t>
             </a:r>
           </a:p>
           <a:p>
@@ -7385,36 +7381,6 @@
           </a:p>
         </p:txBody>
       </p:sp>
-      <p:pic>
-        <p:nvPicPr>
-          <p:cNvPr id="6" name="Image 5"/>
-          <p:cNvPicPr>
-            <a:picLocks noChangeAspect="1"/>
-          </p:cNvPicPr>
-          <p:nvPr/>
-        </p:nvPicPr>
-        <p:blipFill>
-          <a:blip r:embed="rId2">
-            <a:extLst>
-              <a:ext uri="{28A0092B-C50C-407E-A947-70E740481C1C}">
-                <a14:useLocalDpi xmlns:a14="http://schemas.microsoft.com/office/drawing/2010/main" val="0"/>
-              </a:ext>
-            </a:extLst>
-          </a:blip>
-          <a:stretch>
-            <a:fillRect/>
-          </a:stretch>
-        </p:blipFill>
-        <p:spPr>
-          <a:xfrm>
-            <a:off x="4597799" y="4883941"/>
-            <a:ext cx="5519772" cy="1434058"/>
-          </a:xfrm>
-          <a:prstGeom prst="rect">
-            <a:avLst/>
-          </a:prstGeom>
-        </p:spPr>
-      </p:pic>
     </p:spTree>
     <p:extLst>
       <p:ext uri="{BB962C8B-B14F-4D97-AF65-F5344CB8AC3E}">
@@ -7711,25 +7677,6 @@
       </p:sp>
       <p:sp>
         <p:nvSpPr>
-          <p:cNvPr id="3" name="Espace réservé du contenu 2"/>
-          <p:cNvSpPr>
-            <a:spLocks noGrp="1"/>
-          </p:cNvSpPr>
-          <p:nvPr>
-            <p:ph idx="1"/>
-          </p:nvPr>
-        </p:nvSpPr>
-        <p:spPr/>
-        <p:txBody>
-          <a:bodyPr/>
-          <a:lstStyle/>
-          <a:p>
-            <a:endParaRPr lang="fr-CH"/>
-          </a:p>
-        </p:txBody>
-      </p:sp>
-      <p:sp>
-        <p:nvSpPr>
           <p:cNvPr id="4" name="Espace réservé du pied de page 3"/>
           <p:cNvSpPr>
             <a:spLocks noGrp="1"/>
@@ -7842,6 +7789,25 @@
           <a:bodyPr/>
           <a:lstStyle/>
           <a:p>
+            <a:r>
+              <a:rPr lang="fr-CH" dirty="0">
+                <a:hlinkClick r:id="rId2"/>
+              </a:rPr>
+              <a:t>https://github.com</a:t>
+            </a:r>
+            <a:r>
+              <a:rPr lang="fr-CH" dirty="0" smtClean="0">
+                <a:hlinkClick r:id="rId2"/>
+              </a:rPr>
+              <a:t>/</a:t>
+            </a:r>
+            <a:endParaRPr lang="fr-CH" dirty="0" smtClean="0"/>
+          </a:p>
+          <a:p>
+            <a:r>
+              <a:rPr lang="fr-CH" dirty="0"/>
+              <a:t>https://fr.wikipedia.org/wiki/Git</a:t>
+            </a:r>
             <a:endParaRPr lang="fr-CH" dirty="0"/>
           </a:p>
         </p:txBody>

--- a/GitHub.pptx
+++ b/GitHub.pptx
@@ -5,16 +5,19 @@
     <p:sldMasterId id="2147483660" r:id="rId1"/>
   </p:sldMasterIdLst>
   <p:notesMasterIdLst>
-    <p:notesMasterId r:id="rId9"/>
+    <p:notesMasterId r:id="rId12"/>
   </p:notesMasterIdLst>
   <p:sldIdLst>
     <p:sldId id="256" r:id="rId2"/>
     <p:sldId id="257" r:id="rId3"/>
     <p:sldId id="258" r:id="rId4"/>
-    <p:sldId id="261" r:id="rId5"/>
-    <p:sldId id="260" r:id="rId6"/>
-    <p:sldId id="262" r:id="rId7"/>
-    <p:sldId id="263" r:id="rId8"/>
+    <p:sldId id="265" r:id="rId5"/>
+    <p:sldId id="261" r:id="rId6"/>
+    <p:sldId id="264" r:id="rId7"/>
+    <p:sldId id="266" r:id="rId8"/>
+    <p:sldId id="260" r:id="rId9"/>
+    <p:sldId id="262" r:id="rId10"/>
+    <p:sldId id="263" r:id="rId11"/>
   </p:sldIdLst>
   <p:sldSz cx="12192000" cy="6858000"/>
   <p:notesSz cx="6858000" cy="9144000"/>
@@ -203,7 +206,7 @@
           <a:p>
             <a:fld id="{1488B089-91E2-42CC-95B1-430D879873CF}" type="datetimeFigureOut">
               <a:rPr lang="fr-CH" smtClean="0"/>
-              <a:t>18.03.2019</a:t>
+              <a:t>19.03.2019</a:t>
             </a:fld>
             <a:endParaRPr lang="fr-CH"/>
           </a:p>
@@ -657,7 +660,7 @@
           <a:p>
             <a:fld id="{44444612-1327-45B8-ACB4-86484CF7E097}" type="datetime1">
               <a:rPr lang="fr-CH" smtClean="0"/>
-              <a:t>18.03.2019</a:t>
+              <a:t>19.03.2019</a:t>
             </a:fld>
             <a:endParaRPr lang="fr-CH"/>
           </a:p>
@@ -936,7 +939,7 @@
           <a:p>
             <a:fld id="{48C8EA48-658A-4A9F-9C0B-3FB68C35CB3B}" type="datetime1">
               <a:rPr lang="fr-CH" smtClean="0"/>
-              <a:t>18.03.2019</a:t>
+              <a:t>19.03.2019</a:t>
             </a:fld>
             <a:endParaRPr lang="fr-CH"/>
           </a:p>
@@ -1134,7 +1137,7 @@
           <a:p>
             <a:fld id="{5B4FFD48-1094-4EAC-B05D-A8FB7203144B}" type="datetime1">
               <a:rPr lang="fr-CH" smtClean="0"/>
-              <a:t>18.03.2019</a:t>
+              <a:t>19.03.2019</a:t>
             </a:fld>
             <a:endParaRPr lang="fr-CH"/>
           </a:p>
@@ -1411,7 +1414,7 @@
           <a:p>
             <a:fld id="{958B9C5F-5FF1-4E08-9E69-FE6194F31E8D}" type="datetime1">
               <a:rPr lang="fr-CH" smtClean="0"/>
-              <a:t>18.03.2019</a:t>
+              <a:t>19.03.2019</a:t>
             </a:fld>
             <a:endParaRPr lang="fr-CH"/>
           </a:p>
@@ -1756,7 +1759,7 @@
           <a:p>
             <a:fld id="{31B3C116-4FCD-4192-BCA4-1D93BD9E5858}" type="datetime1">
               <a:rPr lang="fr-CH" smtClean="0"/>
-              <a:t>18.03.2019</a:t>
+              <a:t>19.03.2019</a:t>
             </a:fld>
             <a:endParaRPr lang="fr-CH"/>
           </a:p>
@@ -2383,7 +2386,7 @@
           <a:p>
             <a:fld id="{9E3A440E-88EC-4B38-AFF7-D6768DA96E48}" type="datetime1">
               <a:rPr lang="fr-CH" smtClean="0"/>
-              <a:t>18.03.2019</a:t>
+              <a:t>19.03.2019</a:t>
             </a:fld>
             <a:endParaRPr lang="fr-CH"/>
           </a:p>
@@ -3247,7 +3250,7 @@
           <a:p>
             <a:fld id="{781F64D9-5379-4C0B-95EB-78D2E725B79C}" type="datetime1">
               <a:rPr lang="fr-CH" smtClean="0"/>
-              <a:t>18.03.2019</a:t>
+              <a:t>19.03.2019</a:t>
             </a:fld>
             <a:endParaRPr lang="fr-CH"/>
           </a:p>
@@ -3421,7 +3424,7 @@
           <a:p>
             <a:fld id="{52F80605-9130-4583-8F26-09EAA2F852BD}" type="datetime1">
               <a:rPr lang="fr-CH" smtClean="0"/>
-              <a:t>18.03.2019</a:t>
+              <a:t>19.03.2019</a:t>
             </a:fld>
             <a:endParaRPr lang="fr-CH"/>
           </a:p>
@@ -3605,7 +3608,7 @@
           <a:p>
             <a:fld id="{A9018A9B-A600-4EA3-8E72-5B6230E02C4E}" type="datetime1">
               <a:rPr lang="fr-CH" smtClean="0"/>
-              <a:t>18.03.2019</a:t>
+              <a:t>19.03.2019</a:t>
             </a:fld>
             <a:endParaRPr lang="fr-CH"/>
           </a:p>
@@ -3779,7 +3782,7 @@
           <a:p>
             <a:fld id="{8E392C58-98E5-4ACD-BE5B-38160FF1EB92}" type="datetime1">
               <a:rPr lang="fr-CH" smtClean="0"/>
-              <a:t>18.03.2019</a:t>
+              <a:t>19.03.2019</a:t>
             </a:fld>
             <a:endParaRPr lang="fr-CH"/>
           </a:p>
@@ -4030,7 +4033,7 @@
           <a:p>
             <a:fld id="{D91F63D7-35C6-4687-A4CC-78A38431DFB6}" type="datetime1">
               <a:rPr lang="fr-CH" smtClean="0"/>
-              <a:t>18.03.2019</a:t>
+              <a:t>19.03.2019</a:t>
             </a:fld>
             <a:endParaRPr lang="fr-CH"/>
           </a:p>
@@ -4326,7 +4329,7 @@
           <a:p>
             <a:fld id="{1B13A792-0962-4A9C-BF8A-BFF807D7021B}" type="datetime1">
               <a:rPr lang="fr-CH" smtClean="0"/>
-              <a:t>18.03.2019</a:t>
+              <a:t>19.03.2019</a:t>
             </a:fld>
             <a:endParaRPr lang="fr-CH"/>
           </a:p>
@@ -4774,7 +4777,7 @@
           <a:p>
             <a:fld id="{8256180D-EBCE-4AFD-842D-C1EAD3038DC5}" type="datetime1">
               <a:rPr lang="fr-CH" smtClean="0"/>
-              <a:t>18.03.2019</a:t>
+              <a:t>19.03.2019</a:t>
             </a:fld>
             <a:endParaRPr lang="fr-CH"/>
           </a:p>
@@ -4896,7 +4899,7 @@
           <a:p>
             <a:fld id="{0CD640D6-17D0-41EE-BFF6-48A13880642B}" type="datetime1">
               <a:rPr lang="fr-CH" smtClean="0"/>
-              <a:t>18.03.2019</a:t>
+              <a:t>19.03.2019</a:t>
             </a:fld>
             <a:endParaRPr lang="fr-CH"/>
           </a:p>
@@ -4995,7 +4998,7 @@
           <a:p>
             <a:fld id="{2511A595-E69C-4D0E-B2D4-67A692E85F8D}" type="datetime1">
               <a:rPr lang="fr-CH" smtClean="0"/>
-              <a:t>18.03.2019</a:t>
+              <a:t>19.03.2019</a:t>
             </a:fld>
             <a:endParaRPr lang="fr-CH"/>
           </a:p>
@@ -5278,7 +5281,7 @@
           <a:p>
             <a:fld id="{B486E408-938B-4F9F-B72B-AA4FBFA378C8}" type="datetime1">
               <a:rPr lang="fr-CH" smtClean="0"/>
-              <a:t>18.03.2019</a:t>
+              <a:t>19.03.2019</a:t>
             </a:fld>
             <a:endParaRPr lang="fr-CH"/>
           </a:p>
@@ -5557,7 +5560,7 @@
           <a:p>
             <a:fld id="{7F2E54E0-7768-4345-A4D7-E0F331E0D244}" type="datetime1">
               <a:rPr lang="fr-CH" smtClean="0"/>
-              <a:t>18.03.2019</a:t>
+              <a:t>19.03.2019</a:t>
             </a:fld>
             <a:endParaRPr lang="fr-CH"/>
           </a:p>
@@ -5990,7 +5993,7 @@
           <a:p>
             <a:fld id="{61E486B7-F095-401E-B73D-A2855DA7E571}" type="datetime1">
               <a:rPr lang="fr-CH" smtClean="0"/>
-              <a:t>18.03.2019</a:t>
+              <a:t>19.03.2019</a:t>
             </a:fld>
             <a:endParaRPr lang="fr-CH"/>
           </a:p>
@@ -6782,6 +6785,167 @@
 </p:sld>
 </file>
 
+<file path=ppt/slides/slide10.xml><?xml version="1.0" encoding="utf-8"?>
+<p:sld xmlns:a="http://schemas.openxmlformats.org/drawingml/2006/main" xmlns:r="http://schemas.openxmlformats.org/officeDocument/2006/relationships" xmlns:p="http://schemas.openxmlformats.org/presentationml/2006/main">
+  <p:cSld>
+    <p:spTree>
+      <p:nvGrpSpPr>
+        <p:cNvPr id="1" name=""/>
+        <p:cNvGrpSpPr/>
+        <p:nvPr/>
+      </p:nvGrpSpPr>
+      <p:grpSpPr>
+        <a:xfrm>
+          <a:off x="0" y="0"/>
+          <a:ext cx="0" cy="0"/>
+          <a:chOff x="0" y="0"/>
+          <a:chExt cx="0" cy="0"/>
+        </a:xfrm>
+      </p:grpSpPr>
+      <p:sp>
+        <p:nvSpPr>
+          <p:cNvPr id="2" name="Titre 1"/>
+          <p:cNvSpPr>
+            <a:spLocks noGrp="1"/>
+          </p:cNvSpPr>
+          <p:nvPr>
+            <p:ph type="title"/>
+          </p:nvPr>
+        </p:nvSpPr>
+        <p:spPr/>
+        <p:txBody>
+          <a:bodyPr/>
+          <a:lstStyle/>
+          <a:p>
+            <a:r>
+              <a:rPr lang="fr-CH" dirty="0" smtClean="0"/>
+              <a:t>Sources</a:t>
+            </a:r>
+            <a:endParaRPr lang="fr-CH" dirty="0"/>
+          </a:p>
+        </p:txBody>
+      </p:sp>
+      <p:sp>
+        <p:nvSpPr>
+          <p:cNvPr id="3" name="Espace réservé du contenu 2"/>
+          <p:cNvSpPr>
+            <a:spLocks noGrp="1"/>
+          </p:cNvSpPr>
+          <p:nvPr>
+            <p:ph idx="1"/>
+          </p:nvPr>
+        </p:nvSpPr>
+        <p:spPr/>
+        <p:txBody>
+          <a:bodyPr/>
+          <a:lstStyle/>
+          <a:p>
+            <a:r>
+              <a:rPr lang="fr-CH" dirty="0">
+                <a:hlinkClick r:id="rId2"/>
+              </a:rPr>
+              <a:t>https://github.com</a:t>
+            </a:r>
+            <a:r>
+              <a:rPr lang="fr-CH" dirty="0" smtClean="0">
+                <a:hlinkClick r:id="rId2"/>
+              </a:rPr>
+              <a:t>/</a:t>
+            </a:r>
+            <a:endParaRPr lang="fr-CH" dirty="0" smtClean="0"/>
+          </a:p>
+          <a:p>
+            <a:r>
+              <a:rPr lang="fr-CH" dirty="0">
+                <a:hlinkClick r:id="rId3"/>
+              </a:rPr>
+              <a:t>https://</a:t>
+            </a:r>
+            <a:r>
+              <a:rPr lang="fr-CH" dirty="0" smtClean="0">
+                <a:hlinkClick r:id="rId3"/>
+              </a:rPr>
+              <a:t>fr.wikipedia.org/wiki/Git</a:t>
+            </a:r>
+            <a:endParaRPr lang="fr-CH" dirty="0" smtClean="0"/>
+          </a:p>
+          <a:p>
+            <a:r>
+              <a:rPr lang="fr-CH" dirty="0"/>
+              <a:t>https://www.supinfo.com/articles/single/4370-git-prise-main-rapide</a:t>
+            </a:r>
+            <a:endParaRPr lang="fr-CH" dirty="0"/>
+          </a:p>
+        </p:txBody>
+      </p:sp>
+      <p:sp>
+        <p:nvSpPr>
+          <p:cNvPr id="4" name="Espace réservé du pied de page 3"/>
+          <p:cNvSpPr>
+            <a:spLocks noGrp="1"/>
+          </p:cNvSpPr>
+          <p:nvPr>
+            <p:ph type="ftr" sz="quarter" idx="11"/>
+          </p:nvPr>
+        </p:nvSpPr>
+        <p:spPr>
+          <a:xfrm>
+            <a:off x="849815" y="6317999"/>
+            <a:ext cx="4329014" cy="304801"/>
+          </a:xfrm>
+        </p:spPr>
+        <p:txBody>
+          <a:bodyPr/>
+          <a:lstStyle/>
+          <a:p>
+            <a:r>
+              <a:rPr lang="fr-FR" dirty="0" smtClean="0"/>
+              <a:t>Présentation GitHub / Joan Maillard et Adel </a:t>
+            </a:r>
+            <a:r>
+              <a:rPr lang="fr-FR" dirty="0" err="1" smtClean="0"/>
+              <a:t>Kahrimanovic</a:t>
+            </a:r>
+            <a:endParaRPr lang="fr-CH" dirty="0"/>
+          </a:p>
+        </p:txBody>
+      </p:sp>
+      <p:sp>
+        <p:nvSpPr>
+          <p:cNvPr id="5" name="Espace réservé du numéro de diapositive 4"/>
+          <p:cNvSpPr>
+            <a:spLocks noGrp="1"/>
+          </p:cNvSpPr>
+          <p:nvPr>
+            <p:ph type="sldNum" sz="quarter" idx="12"/>
+          </p:nvPr>
+        </p:nvSpPr>
+        <p:spPr/>
+        <p:txBody>
+          <a:bodyPr/>
+          <a:lstStyle/>
+          <a:p>
+            <a:fld id="{2F8530B2-7AED-43F0-A2AB-A04FEC84293C}" type="slidenum">
+              <a:rPr lang="fr-CH" smtClean="0"/>
+              <a:t>10</a:t>
+            </a:fld>
+            <a:endParaRPr lang="fr-CH"/>
+          </a:p>
+        </p:txBody>
+      </p:sp>
+    </p:spTree>
+    <p:extLst>
+      <p:ext uri="{BB962C8B-B14F-4D97-AF65-F5344CB8AC3E}">
+        <p14:creationId xmlns:p14="http://schemas.microsoft.com/office/powerpoint/2010/main" val="2628133069"/>
+      </p:ext>
+    </p:extLst>
+  </p:cSld>
+  <p:clrMapOvr>
+    <a:masterClrMapping/>
+  </p:clrMapOvr>
+</p:sld>
+</file>
+
 <file path=ppt/slides/slide2.xml><?xml version="1.0" encoding="utf-8"?>
 <p:sld xmlns:a="http://schemas.openxmlformats.org/drawingml/2006/main" xmlns:r="http://schemas.openxmlformats.org/officeDocument/2006/relationships" xmlns:p="http://schemas.openxmlformats.org/presentationml/2006/main">
   <p:cSld>
@@ -6888,7 +7052,12 @@
             <p:ph type="ftr" sz="quarter" idx="11"/>
           </p:nvPr>
         </p:nvSpPr>
-        <p:spPr/>
+        <p:spPr>
+          <a:xfrm>
+            <a:off x="849815" y="6317999"/>
+            <a:ext cx="4229261" cy="304801"/>
+          </a:xfrm>
+        </p:spPr>
         <p:txBody>
           <a:bodyPr/>
           <a:lstStyle/>
@@ -7036,13 +7205,6 @@
             </a:r>
           </a:p>
           <a:p>
-            <a:pPr lvl="1"/>
-            <a:r>
-              <a:rPr lang="fr-CH" dirty="0" smtClean="0"/>
-              <a:t>Système de branches</a:t>
-            </a:r>
-          </a:p>
-          <a:p>
             <a:pPr marL="457200" lvl="1" indent="0">
               <a:buNone/>
             </a:pPr>
@@ -7063,7 +7225,12 @@
             <p:ph type="ftr" sz="quarter" idx="11"/>
           </p:nvPr>
         </p:nvSpPr>
-        <p:spPr/>
+        <p:spPr>
+          <a:xfrm>
+            <a:off x="849815" y="6317999"/>
+            <a:ext cx="4196010" cy="304801"/>
+          </a:xfrm>
+        </p:spPr>
         <p:txBody>
           <a:bodyPr/>
           <a:lstStyle/>
@@ -7133,36 +7300,6 @@
           </a:p>
         </p:txBody>
       </p:sp>
-      <p:pic>
-        <p:nvPicPr>
-          <p:cNvPr id="7" name="Image 6"/>
-          <p:cNvPicPr>
-            <a:picLocks noChangeAspect="1"/>
-          </p:cNvPicPr>
-          <p:nvPr/>
-        </p:nvPicPr>
-        <p:blipFill>
-          <a:blip r:embed="rId2">
-            <a:extLst>
-              <a:ext uri="{28A0092B-C50C-407E-A947-70E740481C1C}">
-                <a14:useLocalDpi xmlns:a14="http://schemas.microsoft.com/office/drawing/2010/main" val="0"/>
-              </a:ext>
-            </a:extLst>
-          </a:blip>
-          <a:stretch>
-            <a:fillRect/>
-          </a:stretch>
-        </p:blipFill>
-        <p:spPr>
-          <a:xfrm>
-            <a:off x="2588586" y="4490531"/>
-            <a:ext cx="5519772" cy="1434058"/>
-          </a:xfrm>
-          <a:prstGeom prst="rect">
-            <a:avLst/>
-          </a:prstGeom>
-        </p:spPr>
-      </p:pic>
     </p:spTree>
     <p:extLst>
       <p:ext uri="{BB962C8B-B14F-4D97-AF65-F5344CB8AC3E}">
@@ -7209,12 +7346,8 @@
           <a:lstStyle/>
           <a:p>
             <a:r>
-              <a:rPr lang="fr-CH" dirty="0" err="1" smtClean="0"/>
-              <a:t>Git,comment</a:t>
-            </a:r>
-            <a:r>
               <a:rPr lang="fr-CH" dirty="0" smtClean="0"/>
-              <a:t> ça fonctionne?</a:t>
+              <a:t>Git, qu’est-ce que c’est?</a:t>
             </a:r>
             <a:endParaRPr lang="fr-CH" dirty="0"/>
           </a:p>
@@ -7232,105 +7365,63 @@
         </p:nvSpPr>
         <p:spPr>
           <a:xfrm>
-            <a:off x="723207" y="1412839"/>
-            <a:ext cx="8936182" cy="3649612"/>
-          </a:xfrm>
-        </p:spPr>
-        <p:txBody>
-          <a:bodyPr>
-            <a:normAutofit fontScale="77500" lnSpcReduction="20000"/>
-          </a:bodyPr>
+            <a:off x="646111" y="1595718"/>
+            <a:ext cx="8946541" cy="2834965"/>
+          </a:xfrm>
+        </p:spPr>
+        <p:txBody>
+          <a:bodyPr/>
           <a:lstStyle/>
           <a:p>
             <a:r>
               <a:rPr lang="fr-CH" dirty="0" smtClean="0"/>
-              <a:t>Commandes principales</a:t>
+              <a:t>Terminologie</a:t>
             </a:r>
           </a:p>
           <a:p>
             <a:pPr lvl="1"/>
             <a:r>
               <a:rPr lang="fr-CH" dirty="0" smtClean="0"/>
-              <a:t>Git </a:t>
-            </a:r>
-            <a:r>
-              <a:rPr lang="fr-CH" dirty="0" err="1" smtClean="0"/>
-              <a:t>fetch</a:t>
-            </a:r>
+              <a:t>Dépôt</a:t>
+            </a:r>
+          </a:p>
+          <a:p>
+            <a:pPr lvl="2"/>
             <a:r>
               <a:rPr lang="fr-CH" dirty="0" smtClean="0"/>
-              <a:t>:</a:t>
+              <a:t>Dépôt de travail</a:t>
             </a:r>
           </a:p>
           <a:p>
             <a:pPr lvl="2"/>
             <a:r>
               <a:rPr lang="fr-CH" dirty="0" smtClean="0"/>
-              <a:t>Compare les fichiers de la branche locale avec celle la branche courante et indique les différences entre celles-ci</a:t>
+              <a:t>Dépôt de mémoire</a:t>
             </a:r>
           </a:p>
           <a:p>
             <a:pPr lvl="1"/>
             <a:r>
               <a:rPr lang="fr-CH" dirty="0" smtClean="0"/>
-              <a:t>Git pull:</a:t>
+              <a:t>Système </a:t>
+            </a:r>
+            <a:r>
+              <a:rPr lang="fr-CH" dirty="0"/>
+              <a:t>de branches</a:t>
             </a:r>
           </a:p>
           <a:p>
             <a:pPr lvl="2"/>
             <a:r>
               <a:rPr lang="fr-CH" dirty="0" smtClean="0"/>
-              <a:t>Récupère les modifications appliquées de la branche courante à la branche locale</a:t>
-            </a:r>
-          </a:p>
-          <a:p>
-            <a:pPr lvl="1"/>
+              <a:t>Branche locale</a:t>
+            </a:r>
+          </a:p>
+          <a:p>
+            <a:pPr lvl="2"/>
             <a:r>
               <a:rPr lang="fr-CH" dirty="0" smtClean="0"/>
-              <a:t>Git </a:t>
-            </a:r>
-            <a:r>
-              <a:rPr lang="fr-CH" dirty="0" err="1" smtClean="0"/>
-              <a:t>merge</a:t>
-            </a:r>
-            <a:r>
-              <a:rPr lang="fr-CH" dirty="0" smtClean="0"/>
-              <a:t>:</a:t>
-            </a:r>
-          </a:p>
-          <a:p>
-            <a:pPr lvl="2"/>
-            <a:r>
-              <a:rPr lang="fr-CH" dirty="0" smtClean="0"/>
-              <a:t>Fusionne les modifications apportées par Git pull avec la branche locale</a:t>
-            </a:r>
-          </a:p>
-          <a:p>
-            <a:pPr lvl="1"/>
-            <a:r>
-              <a:rPr lang="fr-CH" dirty="0" smtClean="0"/>
-              <a:t>Git commit:</a:t>
-            </a:r>
-          </a:p>
-          <a:p>
-            <a:pPr lvl="2"/>
-            <a:r>
-              <a:rPr lang="fr-CH" dirty="0" smtClean="0"/>
-              <a:t>Liste les modifications effectuées, possibilité de choisir les fichiers qu’on souhaite mettre à jour sur la branche courante</a:t>
-            </a:r>
-          </a:p>
-          <a:p>
-            <a:pPr lvl="1"/>
-            <a:r>
-              <a:rPr lang="fr-CH" dirty="0" smtClean="0"/>
-              <a:t>Git push:</a:t>
-            </a:r>
-          </a:p>
-          <a:p>
-            <a:pPr lvl="2"/>
-            <a:r>
-              <a:rPr lang="fr-CH" dirty="0" smtClean="0"/>
-              <a:t>Envoie les modifications du Git commit de la branche locale à la branche courante</a:t>
+              <a:t>Branche courante</a:t>
             </a:r>
           </a:p>
         </p:txBody>
@@ -7345,16 +7436,25 @@
             <p:ph type="ftr" sz="quarter" idx="11"/>
           </p:nvPr>
         </p:nvSpPr>
-        <p:spPr/>
-        <p:txBody>
-          <a:bodyPr/>
-          <a:lstStyle/>
-          <a:p>
-            <a:r>
-              <a:rPr lang="fr-FR" smtClean="0"/>
-              <a:t>Présentation GitHub / Joan Maillard et Adel Kahrimanovic</a:t>
-            </a:r>
-            <a:endParaRPr lang="fr-CH"/>
+        <p:spPr>
+          <a:xfrm>
+            <a:off x="849815" y="6317999"/>
+            <a:ext cx="4212636" cy="304801"/>
+          </a:xfrm>
+        </p:spPr>
+        <p:txBody>
+          <a:bodyPr/>
+          <a:lstStyle/>
+          <a:p>
+            <a:r>
+              <a:rPr lang="fr-FR" dirty="0" smtClean="0"/>
+              <a:t>Présentation GitHub / Joan Maillard et Adel </a:t>
+            </a:r>
+            <a:r>
+              <a:rPr lang="fr-FR" dirty="0" err="1" smtClean="0"/>
+              <a:t>Kahrimanovic</a:t>
+            </a:r>
+            <a:endParaRPr lang="fr-CH" dirty="0"/>
           </a:p>
         </p:txBody>
       </p:sp>
@@ -7381,10 +7481,40 @@
           </a:p>
         </p:txBody>
       </p:sp>
+      <p:pic>
+        <p:nvPicPr>
+          <p:cNvPr id="6" name="Image 5"/>
+          <p:cNvPicPr>
+            <a:picLocks noChangeAspect="1"/>
+          </p:cNvPicPr>
+          <p:nvPr/>
+        </p:nvPicPr>
+        <p:blipFill>
+          <a:blip r:embed="rId2">
+            <a:extLst>
+              <a:ext uri="{28A0092B-C50C-407E-A947-70E740481C1C}">
+                <a14:useLocalDpi xmlns:a14="http://schemas.microsoft.com/office/drawing/2010/main" val="0"/>
+              </a:ext>
+            </a:extLst>
+          </a:blip>
+          <a:stretch>
+            <a:fillRect/>
+          </a:stretch>
+        </p:blipFill>
+        <p:spPr>
+          <a:xfrm>
+            <a:off x="2588586" y="4490531"/>
+            <a:ext cx="5519772" cy="1434058"/>
+          </a:xfrm>
+          <a:prstGeom prst="rect">
+            <a:avLst/>
+          </a:prstGeom>
+        </p:spPr>
+      </p:pic>
     </p:spTree>
     <p:extLst>
       <p:ext uri="{BB962C8B-B14F-4D97-AF65-F5344CB8AC3E}">
-        <p14:creationId xmlns:p14="http://schemas.microsoft.com/office/powerpoint/2010/main" val="1544688968"/>
+        <p14:creationId xmlns:p14="http://schemas.microsoft.com/office/powerpoint/2010/main" val="2670047974"/>
       </p:ext>
     </p:extLst>
   </p:cSld>
@@ -7421,101 +7551,162 @@
             <p:ph type="title"/>
           </p:nvPr>
         </p:nvSpPr>
+        <p:spPr/>
+        <p:txBody>
+          <a:bodyPr/>
+          <a:lstStyle/>
+          <a:p>
+            <a:r>
+              <a:rPr lang="fr-CH" dirty="0" err="1" smtClean="0"/>
+              <a:t>Git,comment</a:t>
+            </a:r>
+            <a:r>
+              <a:rPr lang="fr-CH" dirty="0" smtClean="0"/>
+              <a:t> ça fonctionne?</a:t>
+            </a:r>
+            <a:endParaRPr lang="fr-CH" dirty="0"/>
+          </a:p>
+        </p:txBody>
+      </p:sp>
+      <p:sp>
+        <p:nvSpPr>
+          <p:cNvPr id="3" name="Espace réservé du contenu 2"/>
+          <p:cNvSpPr>
+            <a:spLocks noGrp="1"/>
+          </p:cNvSpPr>
+          <p:nvPr>
+            <p:ph idx="1"/>
+          </p:nvPr>
+        </p:nvSpPr>
         <p:spPr>
           <a:xfrm>
-            <a:off x="947817" y="431326"/>
-            <a:ext cx="9404723" cy="1400530"/>
-          </a:xfrm>
-        </p:spPr>
-        <p:txBody>
-          <a:bodyPr/>
-          <a:lstStyle/>
-          <a:p>
+            <a:off x="174567" y="1412839"/>
+            <a:ext cx="7215448" cy="3649612"/>
+          </a:xfrm>
+        </p:spPr>
+        <p:txBody>
+          <a:bodyPr>
+            <a:normAutofit fontScale="85000" lnSpcReduction="20000"/>
+          </a:bodyPr>
+          <a:lstStyle/>
+          <a:p>
+            <a:r>
+              <a:rPr lang="fr-CH" dirty="0" smtClean="0"/>
+              <a:t>Commandes </a:t>
+            </a:r>
+            <a:r>
+              <a:rPr lang="fr-CH" dirty="0" smtClean="0"/>
+              <a:t>principales</a:t>
+            </a:r>
+          </a:p>
+          <a:p>
+            <a:pPr lvl="1"/>
+            <a:r>
+              <a:rPr lang="fr-CH" dirty="0" smtClean="0"/>
+              <a:t>Git clone:</a:t>
+            </a:r>
+          </a:p>
+          <a:p>
+            <a:pPr lvl="2"/>
+            <a:r>
+              <a:rPr lang="fr-CH" dirty="0" smtClean="0"/>
+              <a:t>Permet de copier tout les fichiers de la branche courante à la branche locale</a:t>
+            </a:r>
+            <a:endParaRPr lang="fr-CH" dirty="0" smtClean="0"/>
+          </a:p>
+          <a:p>
+            <a:pPr lvl="1"/>
+            <a:r>
+              <a:rPr lang="fr-CH" dirty="0" smtClean="0"/>
+              <a:t>Git </a:t>
+            </a:r>
             <a:r>
               <a:rPr lang="fr-CH" dirty="0" err="1" smtClean="0"/>
-              <a:t>Github</a:t>
+              <a:t>fetch</a:t>
+            </a:r>
+            <a:r>
+              <a:rPr lang="fr-CH" dirty="0" smtClean="0"/>
+              <a:t>:</a:t>
+            </a:r>
+          </a:p>
+          <a:p>
+            <a:pPr lvl="2"/>
+            <a:r>
+              <a:rPr lang="fr-CH" dirty="0" smtClean="0"/>
+              <a:t>Compare les fichiers de la branche locale avec celle la branche courante et indique les différences entre celles-ci</a:t>
+            </a:r>
+          </a:p>
+          <a:p>
+            <a:pPr lvl="1"/>
+            <a:r>
+              <a:rPr lang="fr-CH" dirty="0" smtClean="0"/>
+              <a:t>Git pull:</a:t>
+            </a:r>
+          </a:p>
+          <a:p>
+            <a:pPr lvl="2"/>
+            <a:r>
+              <a:rPr lang="fr-CH" dirty="0" smtClean="0"/>
+              <a:t>Récupère les modifications appliquées de la branche courante à la branche locale</a:t>
+            </a:r>
+          </a:p>
+          <a:p>
+            <a:pPr lvl="1"/>
+            <a:r>
+              <a:rPr lang="fr-CH" dirty="0" smtClean="0"/>
+              <a:t>Git </a:t>
+            </a:r>
+            <a:r>
+              <a:rPr lang="fr-CH" dirty="0" err="1" smtClean="0"/>
+              <a:t>merge</a:t>
+            </a:r>
+            <a:r>
+              <a:rPr lang="fr-CH" dirty="0" smtClean="0"/>
+              <a:t>:</a:t>
+            </a:r>
+          </a:p>
+          <a:p>
+            <a:pPr lvl="2"/>
+            <a:r>
+              <a:rPr lang="fr-CH" dirty="0" smtClean="0"/>
+              <a:t>Fusionne les modifications apportées par Git pull avec la branche locale</a:t>
+            </a:r>
+          </a:p>
+          <a:p>
+            <a:pPr lvl="2"/>
+            <a:endParaRPr lang="fr-CH" dirty="0" smtClean="0"/>
+          </a:p>
+        </p:txBody>
+      </p:sp>
+      <p:sp>
+        <p:nvSpPr>
+          <p:cNvPr id="4" name="Espace réservé du pied de page 3"/>
+          <p:cNvSpPr>
+            <a:spLocks noGrp="1"/>
+          </p:cNvSpPr>
+          <p:nvPr>
+            <p:ph type="ftr" sz="quarter" idx="11"/>
+          </p:nvPr>
+        </p:nvSpPr>
+        <p:spPr>
+          <a:xfrm>
+            <a:off x="849815" y="6317999"/>
+            <a:ext cx="4220949" cy="304801"/>
+          </a:xfrm>
+        </p:spPr>
+        <p:txBody>
+          <a:bodyPr/>
+          <a:lstStyle/>
+          <a:p>
+            <a:r>
+              <a:rPr lang="fr-FR" dirty="0" smtClean="0"/>
+              <a:t>Présentation GitHub / Joan Maillard et Adel </a:t>
+            </a:r>
+            <a:r>
+              <a:rPr lang="fr-FR" dirty="0" err="1" smtClean="0"/>
+              <a:t>Kahrimanovic</a:t>
             </a:r>
             <a:endParaRPr lang="fr-CH" dirty="0"/>
-          </a:p>
-        </p:txBody>
-      </p:sp>
-      <p:sp>
-        <p:nvSpPr>
-          <p:cNvPr id="3" name="Espace réservé du contenu 2"/>
-          <p:cNvSpPr>
-            <a:spLocks noGrp="1"/>
-          </p:cNvSpPr>
-          <p:nvPr>
-            <p:ph idx="1"/>
-          </p:nvPr>
-        </p:nvSpPr>
-        <p:spPr>
-          <a:xfrm>
-            <a:off x="1103312" y="2052919"/>
-            <a:ext cx="9545292" cy="2826652"/>
-          </a:xfrm>
-        </p:spPr>
-        <p:txBody>
-          <a:bodyPr/>
-          <a:lstStyle/>
-          <a:p>
-            <a:pPr lvl="1"/>
-            <a:endParaRPr lang="fr-CH" dirty="0" smtClean="0"/>
-          </a:p>
-          <a:p>
-            <a:pPr lvl="1"/>
-            <a:r>
-              <a:rPr lang="fr-CH" dirty="0" smtClean="0"/>
-              <a:t>Stockage dans un cloud</a:t>
-            </a:r>
-          </a:p>
-          <a:p>
-            <a:pPr lvl="1"/>
-            <a:r>
-              <a:rPr lang="fr-CH" dirty="0" smtClean="0"/>
-              <a:t>Gratuit dans le cadre d’un développement open source (public)</a:t>
-            </a:r>
-          </a:p>
-          <a:p>
-            <a:pPr lvl="1"/>
-            <a:r>
-              <a:rPr lang="fr-CH" dirty="0" smtClean="0"/>
-              <a:t>Immense communauté, 28 millions d’utilisateurs</a:t>
-            </a:r>
-          </a:p>
-          <a:p>
-            <a:pPr lvl="1"/>
-            <a:r>
-              <a:rPr lang="fr-CH" dirty="0" smtClean="0"/>
-              <a:t>Interface graphique</a:t>
-            </a:r>
-          </a:p>
-          <a:p>
-            <a:pPr lvl="1"/>
-            <a:endParaRPr lang="fr-CH" dirty="0" smtClean="0"/>
-          </a:p>
-        </p:txBody>
-      </p:sp>
-      <p:sp>
-        <p:nvSpPr>
-          <p:cNvPr id="4" name="Espace réservé du pied de page 3"/>
-          <p:cNvSpPr>
-            <a:spLocks noGrp="1"/>
-          </p:cNvSpPr>
-          <p:nvPr>
-            <p:ph type="ftr" sz="quarter" idx="11"/>
-          </p:nvPr>
-        </p:nvSpPr>
-        <p:spPr/>
-        <p:txBody>
-          <a:bodyPr/>
-          <a:lstStyle/>
-          <a:p>
-            <a:r>
-              <a:rPr lang="fr-FR" smtClean="0"/>
-              <a:t>Présentation GitHub / Joan Maillard et Adel Kahrimanovic</a:t>
-            </a:r>
-            <a:endParaRPr lang="fr-CH"/>
           </a:p>
         </p:txBody>
       </p:sp>
@@ -7542,90 +7733,40 @@
           </a:p>
         </p:txBody>
       </p:sp>
-      <p:sp>
-        <p:nvSpPr>
-          <p:cNvPr id="7" name="AutoShape 2" descr="Résultat de recherche d'images pour &quot;github&quot;"/>
-          <p:cNvSpPr>
-            <a:spLocks noChangeAspect="1" noChangeArrowheads="1"/>
-          </p:cNvSpPr>
-          <p:nvPr/>
-        </p:nvSpPr>
-        <p:spPr bwMode="auto">
-          <a:xfrm>
-            <a:off x="155575" y="-2643188"/>
-            <a:ext cx="5343525" cy="5514976"/>
-          </a:xfrm>
-          <a:prstGeom prst="rect">
-            <a:avLst/>
-          </a:prstGeom>
-          <a:noFill/>
-          <a:extLst>
-            <a:ext uri="{909E8E84-426E-40DD-AFC4-6F175D3DCCD1}">
-              <a14:hiddenFill xmlns:a14="http://schemas.microsoft.com/office/drawing/2010/main">
-                <a:solidFill>
-                  <a:srgbClr val="FFFFFF"/>
-                </a:solidFill>
-              </a14:hiddenFill>
-            </a:ext>
-          </a:extLst>
-        </p:spPr>
-        <p:txBody>
-          <a:bodyPr vert="horz" wrap="square" lIns="91440" tIns="45720" rIns="91440" bIns="45720" numCol="1" anchor="t" anchorCtr="0" compatLnSpc="1">
-            <a:prstTxWarp prst="textNoShape">
-              <a:avLst/>
-            </a:prstTxWarp>
-          </a:bodyPr>
-          <a:lstStyle/>
-          <a:p>
-            <a:endParaRPr lang="fr-CH"/>
-          </a:p>
-        </p:txBody>
-      </p:sp>
       <p:pic>
         <p:nvPicPr>
-          <p:cNvPr id="2056" name="Picture 8" descr="Résultat de recherche d'images pour &quot;github logo&quot;"/>
+          <p:cNvPr id="6" name="Image 5"/>
           <p:cNvPicPr>
-            <a:picLocks noChangeAspect="1" noChangeArrowheads="1"/>
+            <a:picLocks noChangeAspect="1"/>
           </p:cNvPicPr>
           <p:nvPr/>
         </p:nvPicPr>
         <p:blipFill>
-          <a:blip r:embed="rId2" cstate="print">
+          <a:blip r:embed="rId2">
             <a:extLst>
               <a:ext uri="{28A0092B-C50C-407E-A947-70E740481C1C}">
                 <a14:useLocalDpi xmlns:a14="http://schemas.microsoft.com/office/drawing/2010/main" val="0"/>
               </a:ext>
             </a:extLst>
           </a:blip>
-          <a:srcRect/>
           <a:stretch>
             <a:fillRect/>
           </a:stretch>
         </p:blipFill>
-        <p:spPr bwMode="auto">
-          <a:xfrm>
-            <a:off x="7521516" y="1135429"/>
-            <a:ext cx="1664047" cy="1664047"/>
+        <p:spPr>
+          <a:xfrm>
+            <a:off x="7335155" y="1579397"/>
+            <a:ext cx="4586735" cy="3483053"/>
           </a:xfrm>
           <a:prstGeom prst="rect">
             <a:avLst/>
           </a:prstGeom>
-          <a:noFill/>
-          <a:extLst>
-            <a:ext uri="{909E8E84-426E-40DD-AFC4-6F175D3DCCD1}">
-              <a14:hiddenFill xmlns:a14="http://schemas.microsoft.com/office/drawing/2010/main">
-                <a:solidFill>
-                  <a:srgbClr val="FFFFFF"/>
-                </a:solidFill>
-              </a14:hiddenFill>
-            </a:ext>
-          </a:extLst>
         </p:spPr>
       </p:pic>
     </p:spTree>
     <p:extLst>
       <p:ext uri="{BB962C8B-B14F-4D97-AF65-F5344CB8AC3E}">
-        <p14:creationId xmlns:p14="http://schemas.microsoft.com/office/powerpoint/2010/main" val="3275704538"/>
+        <p14:creationId xmlns:p14="http://schemas.microsoft.com/office/powerpoint/2010/main" val="1544688968"/>
       </p:ext>
     </p:extLst>
   </p:cSld>
@@ -7669,7 +7810,7 @@
           <a:p>
             <a:r>
               <a:rPr lang="fr-CH" dirty="0" smtClean="0"/>
-              <a:t>Questions?</a:t>
+              <a:t>Git, comment ça fonctionne?</a:t>
             </a:r>
             <a:endParaRPr lang="fr-CH" dirty="0"/>
           </a:p>
@@ -7677,6 +7818,80 @@
       </p:sp>
       <p:sp>
         <p:nvSpPr>
+          <p:cNvPr id="3" name="Espace réservé du contenu 2"/>
+          <p:cNvSpPr>
+            <a:spLocks noGrp="1"/>
+          </p:cNvSpPr>
+          <p:nvPr>
+            <p:ph idx="1"/>
+          </p:nvPr>
+        </p:nvSpPr>
+        <p:spPr>
+          <a:xfrm>
+            <a:off x="236340" y="1587405"/>
+            <a:ext cx="6954638" cy="4195481"/>
+          </a:xfrm>
+        </p:spPr>
+        <p:txBody>
+          <a:bodyPr/>
+          <a:lstStyle/>
+          <a:p>
+            <a:pPr lvl="1"/>
+            <a:r>
+              <a:rPr lang="fr-CH" dirty="0"/>
+              <a:t>Git commit:</a:t>
+            </a:r>
+          </a:p>
+          <a:p>
+            <a:pPr lvl="2"/>
+            <a:r>
+              <a:rPr lang="fr-CH" dirty="0"/>
+              <a:t>Liste les modifications effectuées, possibilité de choisir les fichiers qu’on souhaite mettre à jour sur la branche courante</a:t>
+            </a:r>
+          </a:p>
+          <a:p>
+            <a:pPr lvl="1"/>
+            <a:r>
+              <a:rPr lang="fr-CH" dirty="0"/>
+              <a:t>Git push:</a:t>
+            </a:r>
+          </a:p>
+          <a:p>
+            <a:pPr lvl="2"/>
+            <a:r>
+              <a:rPr lang="fr-CH" dirty="0"/>
+              <a:t>Envoie les modifications du Git commit de la branche locale à la branche courante</a:t>
+            </a:r>
+          </a:p>
+          <a:p>
+            <a:pPr lvl="1"/>
+            <a:r>
+              <a:rPr lang="fr-CH" dirty="0"/>
+              <a:t>Git </a:t>
+            </a:r>
+            <a:r>
+              <a:rPr lang="fr-CH" dirty="0" err="1"/>
+              <a:t>stash</a:t>
+            </a:r>
+            <a:r>
+              <a:rPr lang="fr-CH" dirty="0"/>
+              <a:t>:</a:t>
+            </a:r>
+          </a:p>
+          <a:p>
+            <a:pPr lvl="2"/>
+            <a:r>
+              <a:rPr lang="fr-CH" dirty="0"/>
+              <a:t>Enregistre les derniers changements locaux et les annule au profit de la branche courante</a:t>
+            </a:r>
+          </a:p>
+          <a:p>
+            <a:endParaRPr lang="fr-CH" dirty="0"/>
+          </a:p>
+        </p:txBody>
+      </p:sp>
+      <p:sp>
+        <p:nvSpPr>
           <p:cNvPr id="4" name="Espace réservé du pied de page 3"/>
           <p:cNvSpPr>
             <a:spLocks noGrp="1"/>
@@ -7685,16 +7900,25 @@
             <p:ph type="ftr" sz="quarter" idx="11"/>
           </p:nvPr>
         </p:nvSpPr>
-        <p:spPr/>
-        <p:txBody>
-          <a:bodyPr/>
-          <a:lstStyle/>
-          <a:p>
-            <a:r>
-              <a:rPr lang="fr-FR" smtClean="0"/>
-              <a:t>Présentation GitHub / Joan Maillard et Adel Kahrimanovic</a:t>
-            </a:r>
-            <a:endParaRPr lang="fr-CH"/>
+        <p:spPr>
+          <a:xfrm>
+            <a:off x="849815" y="6317999"/>
+            <a:ext cx="4179385" cy="304801"/>
+          </a:xfrm>
+        </p:spPr>
+        <p:txBody>
+          <a:bodyPr/>
+          <a:lstStyle/>
+          <a:p>
+            <a:r>
+              <a:rPr lang="fr-FR" dirty="0" smtClean="0"/>
+              <a:t>Présentation GitHub / Joan Maillard et Adel </a:t>
+            </a:r>
+            <a:r>
+              <a:rPr lang="fr-FR" dirty="0" err="1" smtClean="0"/>
+              <a:t>Kahrimanovic</a:t>
+            </a:r>
+            <a:endParaRPr lang="fr-CH" dirty="0"/>
           </a:p>
         </p:txBody>
       </p:sp>
@@ -7721,10 +7945,40 @@
           </a:p>
         </p:txBody>
       </p:sp>
+      <p:pic>
+        <p:nvPicPr>
+          <p:cNvPr id="7" name="Image 6"/>
+          <p:cNvPicPr>
+            <a:picLocks noChangeAspect="1"/>
+          </p:cNvPicPr>
+          <p:nvPr/>
+        </p:nvPicPr>
+        <p:blipFill>
+          <a:blip r:embed="rId2">
+            <a:extLst>
+              <a:ext uri="{28A0092B-C50C-407E-A947-70E740481C1C}">
+                <a14:useLocalDpi xmlns:a14="http://schemas.microsoft.com/office/drawing/2010/main" val="0"/>
+              </a:ext>
+            </a:extLst>
+          </a:blip>
+          <a:stretch>
+            <a:fillRect/>
+          </a:stretch>
+        </p:blipFill>
+        <p:spPr>
+          <a:xfrm>
+            <a:off x="7335155" y="1579397"/>
+            <a:ext cx="4586735" cy="3483053"/>
+          </a:xfrm>
+          <a:prstGeom prst="rect">
+            <a:avLst/>
+          </a:prstGeom>
+        </p:spPr>
+      </p:pic>
     </p:spTree>
     <p:extLst>
       <p:ext uri="{BB962C8B-B14F-4D97-AF65-F5344CB8AC3E}">
-        <p14:creationId xmlns:p14="http://schemas.microsoft.com/office/powerpoint/2010/main" val="1056843827"/>
+        <p14:creationId xmlns:p14="http://schemas.microsoft.com/office/powerpoint/2010/main" val="2567745658"/>
       </p:ext>
     </p:extLst>
   </p:cSld>
@@ -7768,7 +8022,15 @@
           <a:p>
             <a:r>
               <a:rPr lang="fr-CH" dirty="0" smtClean="0"/>
-              <a:t>Sources</a:t>
+              <a:t>Git, comment ça </a:t>
+            </a:r>
+            <a:r>
+              <a:rPr lang="fr-CH" dirty="0" err="1" smtClean="0"/>
+              <a:t>fonctionnne</a:t>
+            </a:r>
+            <a:r>
+              <a:rPr lang="fr-CH" dirty="0" smtClean="0"/>
+              <a:t>?</a:t>
             </a:r>
             <a:endParaRPr lang="fr-CH" dirty="0"/>
           </a:p>
@@ -7786,52 +8048,126 @@
         </p:nvSpPr>
         <p:spPr/>
         <p:txBody>
-          <a:bodyPr/>
-          <a:lstStyle/>
-          <a:p>
-            <a:r>
-              <a:rPr lang="fr-CH" dirty="0">
-                <a:hlinkClick r:id="rId2"/>
-              </a:rPr>
-              <a:t>https://github.com</a:t>
-            </a:r>
-            <a:r>
-              <a:rPr lang="fr-CH" dirty="0" smtClean="0">
-                <a:hlinkClick r:id="rId2"/>
-              </a:rPr>
-              <a:t>/</a:t>
+          <a:bodyPr>
+            <a:normAutofit/>
+          </a:bodyPr>
+          <a:lstStyle/>
+          <a:p>
+            <a:r>
+              <a:rPr lang="fr-CH" dirty="0" smtClean="0"/>
+              <a:t>.</a:t>
+            </a:r>
+            <a:r>
+              <a:rPr lang="fr-CH" dirty="0" err="1" smtClean="0"/>
+              <a:t>gitignore</a:t>
             </a:r>
             <a:endParaRPr lang="fr-CH" dirty="0" smtClean="0"/>
           </a:p>
           <a:p>
+            <a:pPr lvl="1"/>
+            <a:r>
+              <a:rPr lang="fr-CH" dirty="0" smtClean="0"/>
+              <a:t>Liste formatée des fichiers à ignorer</a:t>
+            </a:r>
+          </a:p>
+          <a:p>
+            <a:pPr lvl="2"/>
+            <a:r>
+              <a:rPr lang="fr-CH" dirty="0" smtClean="0"/>
+              <a:t>Exemple: *.</a:t>
+            </a:r>
+            <a:r>
+              <a:rPr lang="fr-CH" dirty="0" err="1" smtClean="0"/>
+              <a:t>docx</a:t>
+            </a:r>
+            <a:r>
+              <a:rPr lang="fr-CH" dirty="0" smtClean="0"/>
+              <a:t> 	banana*.bin		cahierdescharges.docx</a:t>
+            </a:r>
+          </a:p>
+          <a:p>
+            <a:r>
+              <a:rPr lang="fr-CH" dirty="0" smtClean="0"/>
+              <a:t>Git </a:t>
+            </a:r>
+            <a:r>
+              <a:rPr lang="fr-CH" dirty="0" err="1" smtClean="0"/>
+              <a:t>merge</a:t>
+            </a:r>
+            <a:r>
+              <a:rPr lang="fr-CH" dirty="0" smtClean="0"/>
+              <a:t>, précision:</a:t>
+            </a:r>
+          </a:p>
+          <a:p>
+            <a:pPr lvl="1"/>
+            <a:r>
+              <a:rPr lang="fr-CH" dirty="0" smtClean="0"/>
+              <a:t>Git fonctionne en ligne par ligne avec des fichiers texte, les </a:t>
+            </a:r>
+            <a:r>
+              <a:rPr lang="fr-CH" dirty="0" err="1" smtClean="0"/>
+              <a:t>merges</a:t>
+            </a:r>
+            <a:r>
+              <a:rPr lang="fr-CH" dirty="0" smtClean="0"/>
+              <a:t> conflictuels se font à la main.</a:t>
+            </a:r>
+          </a:p>
+          <a:p>
+            <a:r>
+              <a:rPr lang="fr-CH" dirty="0" smtClean="0"/>
+              <a:t>Petites commandes gérées par l’interface utilisateur</a:t>
+            </a:r>
+          </a:p>
+          <a:p>
+            <a:pPr lvl="1"/>
+            <a:endParaRPr lang="fr-CH" dirty="0" smtClean="0"/>
+          </a:p>
+          <a:p>
+            <a:pPr lvl="1"/>
+            <a:endParaRPr lang="fr-CH" dirty="0" smtClean="0"/>
+          </a:p>
+          <a:p>
+            <a:pPr marL="914400" lvl="2" indent="0">
+              <a:buNone/>
+            </a:pPr>
             <a:r>
               <a:rPr lang="fr-CH" dirty="0"/>
-              <a:t>https://fr.wikipedia.org/wiki/Git</a:t>
+              <a:t>	</a:t>
+            </a:r>
+          </a:p>
+        </p:txBody>
+      </p:sp>
+      <p:sp>
+        <p:nvSpPr>
+          <p:cNvPr id="4" name="Espace réservé du pied de page 3"/>
+          <p:cNvSpPr>
+            <a:spLocks noGrp="1"/>
+          </p:cNvSpPr>
+          <p:nvPr>
+            <p:ph type="ftr" sz="quarter" idx="11"/>
+          </p:nvPr>
+        </p:nvSpPr>
+        <p:spPr>
+          <a:xfrm>
+            <a:off x="849815" y="6317999"/>
+            <a:ext cx="4295763" cy="304801"/>
+          </a:xfrm>
+        </p:spPr>
+        <p:txBody>
+          <a:bodyPr/>
+          <a:lstStyle/>
+          <a:p>
+            <a:r>
+              <a:rPr lang="fr-FR" dirty="0" smtClean="0"/>
+              <a:t>Présentation GitHub / Joan Maillard et Adel </a:t>
+            </a:r>
+            <a:r>
+              <a:rPr lang="fr-FR" dirty="0" err="1" smtClean="0"/>
+              <a:t>Kahrimanovic</a:t>
             </a:r>
             <a:endParaRPr lang="fr-CH" dirty="0"/>
-          </a:p>
-        </p:txBody>
-      </p:sp>
-      <p:sp>
-        <p:nvSpPr>
-          <p:cNvPr id="4" name="Espace réservé du pied de page 3"/>
-          <p:cNvSpPr>
-            <a:spLocks noGrp="1"/>
-          </p:cNvSpPr>
-          <p:nvPr>
-            <p:ph type="ftr" sz="quarter" idx="11"/>
-          </p:nvPr>
-        </p:nvSpPr>
-        <p:spPr/>
-        <p:txBody>
-          <a:bodyPr/>
-          <a:lstStyle/>
-          <a:p>
-            <a:r>
-              <a:rPr lang="fr-FR" smtClean="0"/>
-              <a:t>Présentation GitHub / Joan Maillard et Adel Kahrimanovic</a:t>
-            </a:r>
-            <a:endParaRPr lang="fr-CH"/>
           </a:p>
         </p:txBody>
       </p:sp>
@@ -7861,7 +8197,372 @@
     </p:spTree>
     <p:extLst>
       <p:ext uri="{BB962C8B-B14F-4D97-AF65-F5344CB8AC3E}">
-        <p14:creationId xmlns:p14="http://schemas.microsoft.com/office/powerpoint/2010/main" val="2628133069"/>
+        <p14:creationId xmlns:p14="http://schemas.microsoft.com/office/powerpoint/2010/main" val="903164716"/>
+      </p:ext>
+    </p:extLst>
+  </p:cSld>
+  <p:clrMapOvr>
+    <a:masterClrMapping/>
+  </p:clrMapOvr>
+</p:sld>
+</file>
+
+<file path=ppt/slides/slide8.xml><?xml version="1.0" encoding="utf-8"?>
+<p:sld xmlns:a="http://schemas.openxmlformats.org/drawingml/2006/main" xmlns:r="http://schemas.openxmlformats.org/officeDocument/2006/relationships" xmlns:p="http://schemas.openxmlformats.org/presentationml/2006/main">
+  <p:cSld>
+    <p:spTree>
+      <p:nvGrpSpPr>
+        <p:cNvPr id="1" name=""/>
+        <p:cNvGrpSpPr/>
+        <p:nvPr/>
+      </p:nvGrpSpPr>
+      <p:grpSpPr>
+        <a:xfrm>
+          <a:off x="0" y="0"/>
+          <a:ext cx="0" cy="0"/>
+          <a:chOff x="0" y="0"/>
+          <a:chExt cx="0" cy="0"/>
+        </a:xfrm>
+      </p:grpSpPr>
+      <p:sp>
+        <p:nvSpPr>
+          <p:cNvPr id="2" name="Titre 1"/>
+          <p:cNvSpPr>
+            <a:spLocks noGrp="1"/>
+          </p:cNvSpPr>
+          <p:nvPr>
+            <p:ph type="title"/>
+          </p:nvPr>
+        </p:nvSpPr>
+        <p:spPr>
+          <a:xfrm>
+            <a:off x="947817" y="431326"/>
+            <a:ext cx="9404723" cy="1400530"/>
+          </a:xfrm>
+        </p:spPr>
+        <p:txBody>
+          <a:bodyPr/>
+          <a:lstStyle/>
+          <a:p>
+            <a:r>
+              <a:rPr lang="fr-CH" dirty="0" err="1" smtClean="0"/>
+              <a:t>Github</a:t>
+            </a:r>
+            <a:endParaRPr lang="fr-CH" dirty="0"/>
+          </a:p>
+        </p:txBody>
+      </p:sp>
+      <p:sp>
+        <p:nvSpPr>
+          <p:cNvPr id="3" name="Espace réservé du contenu 2"/>
+          <p:cNvSpPr>
+            <a:spLocks noGrp="1"/>
+          </p:cNvSpPr>
+          <p:nvPr>
+            <p:ph idx="1"/>
+          </p:nvPr>
+        </p:nvSpPr>
+        <p:spPr>
+          <a:xfrm>
+            <a:off x="1103312" y="2052919"/>
+            <a:ext cx="9545292" cy="2826652"/>
+          </a:xfrm>
+        </p:spPr>
+        <p:txBody>
+          <a:bodyPr/>
+          <a:lstStyle/>
+          <a:p>
+            <a:pPr lvl="1"/>
+            <a:endParaRPr lang="fr-CH" dirty="0" smtClean="0"/>
+          </a:p>
+          <a:p>
+            <a:pPr lvl="1"/>
+            <a:r>
+              <a:rPr lang="fr-CH" dirty="0" smtClean="0"/>
+              <a:t>Stockage dans un cloud</a:t>
+            </a:r>
+          </a:p>
+          <a:p>
+            <a:pPr lvl="1"/>
+            <a:r>
+              <a:rPr lang="fr-CH" dirty="0" smtClean="0"/>
+              <a:t>Gratuit dans le cadre d’un développement open source (public)</a:t>
+            </a:r>
+          </a:p>
+          <a:p>
+            <a:pPr lvl="1"/>
+            <a:r>
+              <a:rPr lang="fr-CH" dirty="0" smtClean="0"/>
+              <a:t>Immense communauté, 28 millions d’utilisateurs</a:t>
+            </a:r>
+          </a:p>
+          <a:p>
+            <a:pPr lvl="1"/>
+            <a:r>
+              <a:rPr lang="fr-CH" dirty="0" smtClean="0"/>
+              <a:t>Interface graphique</a:t>
+            </a:r>
+          </a:p>
+          <a:p>
+            <a:pPr lvl="1"/>
+            <a:r>
+              <a:rPr lang="fr-CH" dirty="0" smtClean="0"/>
+              <a:t>Gestion des tickets (issues) pour les comptes payants</a:t>
+            </a:r>
+          </a:p>
+          <a:p>
+            <a:pPr lvl="2"/>
+            <a:endParaRPr lang="fr-CH" dirty="0" smtClean="0"/>
+          </a:p>
+        </p:txBody>
+      </p:sp>
+      <p:sp>
+        <p:nvSpPr>
+          <p:cNvPr id="4" name="Espace réservé du pied de page 3"/>
+          <p:cNvSpPr>
+            <a:spLocks noGrp="1"/>
+          </p:cNvSpPr>
+          <p:nvPr>
+            <p:ph type="ftr" sz="quarter" idx="11"/>
+          </p:nvPr>
+        </p:nvSpPr>
+        <p:spPr>
+          <a:xfrm>
+            <a:off x="849815" y="6317999"/>
+            <a:ext cx="4329014" cy="304801"/>
+          </a:xfrm>
+        </p:spPr>
+        <p:txBody>
+          <a:bodyPr/>
+          <a:lstStyle/>
+          <a:p>
+            <a:r>
+              <a:rPr lang="fr-FR" dirty="0" smtClean="0"/>
+              <a:t>Présentation GitHub / Joan Maillard et Adel </a:t>
+            </a:r>
+            <a:r>
+              <a:rPr lang="fr-FR" dirty="0" err="1" smtClean="0"/>
+              <a:t>Kahrimanovic</a:t>
+            </a:r>
+            <a:endParaRPr lang="fr-CH" dirty="0"/>
+          </a:p>
+        </p:txBody>
+      </p:sp>
+      <p:sp>
+        <p:nvSpPr>
+          <p:cNvPr id="5" name="Espace réservé du numéro de diapositive 4"/>
+          <p:cNvSpPr>
+            <a:spLocks noGrp="1"/>
+          </p:cNvSpPr>
+          <p:nvPr>
+            <p:ph type="sldNum" sz="quarter" idx="12"/>
+          </p:nvPr>
+        </p:nvSpPr>
+        <p:spPr/>
+        <p:txBody>
+          <a:bodyPr/>
+          <a:lstStyle/>
+          <a:p>
+            <a:fld id="{2F8530B2-7AED-43F0-A2AB-A04FEC84293C}" type="slidenum">
+              <a:rPr lang="fr-CH" smtClean="0"/>
+              <a:t>8</a:t>
+            </a:fld>
+            <a:endParaRPr lang="fr-CH"/>
+          </a:p>
+        </p:txBody>
+      </p:sp>
+      <p:sp>
+        <p:nvSpPr>
+          <p:cNvPr id="7" name="AutoShape 2" descr="Résultat de recherche d'images pour &quot;github&quot;"/>
+          <p:cNvSpPr>
+            <a:spLocks noChangeAspect="1" noChangeArrowheads="1"/>
+          </p:cNvSpPr>
+          <p:nvPr/>
+        </p:nvSpPr>
+        <p:spPr bwMode="auto">
+          <a:xfrm>
+            <a:off x="155575" y="-2643188"/>
+            <a:ext cx="5343525" cy="5514976"/>
+          </a:xfrm>
+          <a:prstGeom prst="rect">
+            <a:avLst/>
+          </a:prstGeom>
+          <a:noFill/>
+          <a:extLst>
+            <a:ext uri="{909E8E84-426E-40DD-AFC4-6F175D3DCCD1}">
+              <a14:hiddenFill xmlns:a14="http://schemas.microsoft.com/office/drawing/2010/main">
+                <a:solidFill>
+                  <a:srgbClr val="FFFFFF"/>
+                </a:solidFill>
+              </a14:hiddenFill>
+            </a:ext>
+          </a:extLst>
+        </p:spPr>
+        <p:txBody>
+          <a:bodyPr vert="horz" wrap="square" lIns="91440" tIns="45720" rIns="91440" bIns="45720" numCol="1" anchor="t" anchorCtr="0" compatLnSpc="1">
+            <a:prstTxWarp prst="textNoShape">
+              <a:avLst/>
+            </a:prstTxWarp>
+          </a:bodyPr>
+          <a:lstStyle/>
+          <a:p>
+            <a:endParaRPr lang="fr-CH"/>
+          </a:p>
+        </p:txBody>
+      </p:sp>
+      <p:pic>
+        <p:nvPicPr>
+          <p:cNvPr id="2056" name="Picture 8" descr="Résultat de recherche d'images pour &quot;github logo&quot;"/>
+          <p:cNvPicPr>
+            <a:picLocks noChangeAspect="1" noChangeArrowheads="1"/>
+          </p:cNvPicPr>
+          <p:nvPr/>
+        </p:nvPicPr>
+        <p:blipFill>
+          <a:blip r:embed="rId2" cstate="print">
+            <a:extLst>
+              <a:ext uri="{28A0092B-C50C-407E-A947-70E740481C1C}">
+                <a14:useLocalDpi xmlns:a14="http://schemas.microsoft.com/office/drawing/2010/main" val="0"/>
+              </a:ext>
+            </a:extLst>
+          </a:blip>
+          <a:srcRect/>
+          <a:stretch>
+            <a:fillRect/>
+          </a:stretch>
+        </p:blipFill>
+        <p:spPr bwMode="auto">
+          <a:xfrm>
+            <a:off x="7521516" y="1135429"/>
+            <a:ext cx="1664047" cy="1664047"/>
+          </a:xfrm>
+          <a:prstGeom prst="rect">
+            <a:avLst/>
+          </a:prstGeom>
+          <a:noFill/>
+          <a:extLst>
+            <a:ext uri="{909E8E84-426E-40DD-AFC4-6F175D3DCCD1}">
+              <a14:hiddenFill xmlns:a14="http://schemas.microsoft.com/office/drawing/2010/main">
+                <a:solidFill>
+                  <a:srgbClr val="FFFFFF"/>
+                </a:solidFill>
+              </a14:hiddenFill>
+            </a:ext>
+          </a:extLst>
+        </p:spPr>
+      </p:pic>
+    </p:spTree>
+    <p:extLst>
+      <p:ext uri="{BB962C8B-B14F-4D97-AF65-F5344CB8AC3E}">
+        <p14:creationId xmlns:p14="http://schemas.microsoft.com/office/powerpoint/2010/main" val="3275704538"/>
+      </p:ext>
+    </p:extLst>
+  </p:cSld>
+  <p:clrMapOvr>
+    <a:masterClrMapping/>
+  </p:clrMapOvr>
+</p:sld>
+</file>
+
+<file path=ppt/slides/slide9.xml><?xml version="1.0" encoding="utf-8"?>
+<p:sld xmlns:a="http://schemas.openxmlformats.org/drawingml/2006/main" xmlns:r="http://schemas.openxmlformats.org/officeDocument/2006/relationships" xmlns:p="http://schemas.openxmlformats.org/presentationml/2006/main">
+  <p:cSld>
+    <p:spTree>
+      <p:nvGrpSpPr>
+        <p:cNvPr id="1" name=""/>
+        <p:cNvGrpSpPr/>
+        <p:nvPr/>
+      </p:nvGrpSpPr>
+      <p:grpSpPr>
+        <a:xfrm>
+          <a:off x="0" y="0"/>
+          <a:ext cx="0" cy="0"/>
+          <a:chOff x="0" y="0"/>
+          <a:chExt cx="0" cy="0"/>
+        </a:xfrm>
+      </p:grpSpPr>
+      <p:sp>
+        <p:nvSpPr>
+          <p:cNvPr id="2" name="Titre 1"/>
+          <p:cNvSpPr>
+            <a:spLocks noGrp="1"/>
+          </p:cNvSpPr>
+          <p:nvPr>
+            <p:ph type="title"/>
+          </p:nvPr>
+        </p:nvSpPr>
+        <p:spPr/>
+        <p:txBody>
+          <a:bodyPr/>
+          <a:lstStyle/>
+          <a:p>
+            <a:r>
+              <a:rPr lang="fr-CH" dirty="0" smtClean="0"/>
+              <a:t>Questions?</a:t>
+            </a:r>
+            <a:endParaRPr lang="fr-CH" dirty="0"/>
+          </a:p>
+        </p:txBody>
+      </p:sp>
+      <p:sp>
+        <p:nvSpPr>
+          <p:cNvPr id="4" name="Espace réservé du pied de page 3"/>
+          <p:cNvSpPr>
+            <a:spLocks noGrp="1"/>
+          </p:cNvSpPr>
+          <p:nvPr>
+            <p:ph type="ftr" sz="quarter" idx="11"/>
+          </p:nvPr>
+        </p:nvSpPr>
+        <p:spPr>
+          <a:xfrm>
+            <a:off x="849815" y="6317999"/>
+            <a:ext cx="4387203" cy="304801"/>
+          </a:xfrm>
+        </p:spPr>
+        <p:txBody>
+          <a:bodyPr/>
+          <a:lstStyle/>
+          <a:p>
+            <a:r>
+              <a:rPr lang="fr-FR" dirty="0" smtClean="0"/>
+              <a:t>Présentation GitHub / Joan Maillard et Adel </a:t>
+            </a:r>
+            <a:r>
+              <a:rPr lang="fr-FR" dirty="0" err="1" smtClean="0"/>
+              <a:t>Kahrimanovic</a:t>
+            </a:r>
+            <a:endParaRPr lang="fr-CH" dirty="0"/>
+          </a:p>
+        </p:txBody>
+      </p:sp>
+      <p:sp>
+        <p:nvSpPr>
+          <p:cNvPr id="5" name="Espace réservé du numéro de diapositive 4"/>
+          <p:cNvSpPr>
+            <a:spLocks noGrp="1"/>
+          </p:cNvSpPr>
+          <p:nvPr>
+            <p:ph type="sldNum" sz="quarter" idx="12"/>
+          </p:nvPr>
+        </p:nvSpPr>
+        <p:spPr/>
+        <p:txBody>
+          <a:bodyPr/>
+          <a:lstStyle/>
+          <a:p>
+            <a:fld id="{2F8530B2-7AED-43F0-A2AB-A04FEC84293C}" type="slidenum">
+              <a:rPr lang="fr-CH" smtClean="0"/>
+              <a:t>9</a:t>
+            </a:fld>
+            <a:endParaRPr lang="fr-CH"/>
+          </a:p>
+        </p:txBody>
+      </p:sp>
+    </p:spTree>
+    <p:extLst>
+      <p:ext uri="{BB962C8B-B14F-4D97-AF65-F5344CB8AC3E}">
+        <p14:creationId xmlns:p14="http://schemas.microsoft.com/office/powerpoint/2010/main" val="1056843827"/>
       </p:ext>
     </p:extLst>
   </p:cSld>
